--- a/Snake game.pptx
+++ b/Snake game.pptx
@@ -111,6 +111,22 @@
       </a:defRPr>
     </a:lvl9pPr>
   </p:defaultTextStyle>
+  <p:extLst>
+    <p:ext uri="{EFAFB233-063F-42B5-8137-9DF3F51BA10A}">
+      <p15:sldGuideLst xmlns:p15="http://schemas.microsoft.com/office/powerpoint/2012/main">
+        <p15:guide id="1" orient="horz" pos="2160">
+          <p15:clr>
+            <a:srgbClr val="A4A3A4"/>
+          </p15:clr>
+        </p15:guide>
+        <p15:guide id="2" pos="2880">
+          <p15:clr>
+            <a:srgbClr val="A4A3A4"/>
+          </p15:clr>
+        </p15:guide>
+      </p15:sldGuideLst>
+    </p:ext>
+  </p:extLst>
 </p:presentation>
 </file>
 
@@ -2877,7 +2893,7 @@
           <a:p>
             <a:fld id="{B4C71EC6-210F-42DE-9C53-41977AD35B3D}" type="datetimeFigureOut">
               <a:rPr lang="ru-RU" smtClean="0"/>
-              <a:t>09.02.2020</a:t>
+              <a:t>10.02.2020</a:t>
             </a:fld>
             <a:endParaRPr lang="ru-RU"/>
           </a:p>
@@ -3162,7 +3178,7 @@
           <a:p>
             <a:fld id="{B4C71EC6-210F-42DE-9C53-41977AD35B3D}" type="datetimeFigureOut">
               <a:rPr lang="ru-RU" smtClean="0"/>
-              <a:t>09.02.2020</a:t>
+              <a:t>10.02.2020</a:t>
             </a:fld>
             <a:endParaRPr lang="ru-RU"/>
           </a:p>
@@ -3337,7 +3353,7 @@
           <a:p>
             <a:fld id="{B4C71EC6-210F-42DE-9C53-41977AD35B3D}" type="datetimeFigureOut">
               <a:rPr lang="ru-RU" smtClean="0"/>
-              <a:t>09.02.2020</a:t>
+              <a:t>10.02.2020</a:t>
             </a:fld>
             <a:endParaRPr lang="ru-RU"/>
           </a:p>
@@ -3502,7 +3518,7 @@
           <a:p>
             <a:fld id="{B4C71EC6-210F-42DE-9C53-41977AD35B3D}" type="datetimeFigureOut">
               <a:rPr lang="ru-RU" smtClean="0"/>
-              <a:t>09.02.2020</a:t>
+              <a:t>10.02.2020</a:t>
             </a:fld>
             <a:endParaRPr lang="ru-RU"/>
           </a:p>
@@ -3743,7 +3759,7 @@
           <a:p>
             <a:fld id="{B4C71EC6-210F-42DE-9C53-41977AD35B3D}" type="datetimeFigureOut">
               <a:rPr lang="ru-RU" smtClean="0"/>
-              <a:t>09.02.2020</a:t>
+              <a:t>10.02.2020</a:t>
             </a:fld>
             <a:endParaRPr lang="ru-RU"/>
           </a:p>
@@ -3856,7 +3872,7 @@
           <a:p>
             <a:fld id="{B4C71EC6-210F-42DE-9C53-41977AD35B3D}" type="datetimeFigureOut">
               <a:rPr lang="ru-RU" smtClean="0"/>
-              <a:t>09.02.2020</a:t>
+              <a:t>10.02.2020</a:t>
             </a:fld>
             <a:endParaRPr lang="ru-RU"/>
           </a:p>
@@ -4395,7 +4411,7 @@
           <a:p>
             <a:fld id="{B4C71EC6-210F-42DE-9C53-41977AD35B3D}" type="datetimeFigureOut">
               <a:rPr lang="ru-RU" smtClean="0"/>
-              <a:t>09.02.2020</a:t>
+              <a:t>10.02.2020</a:t>
             </a:fld>
             <a:endParaRPr lang="ru-RU"/>
           </a:p>
@@ -4508,7 +4524,7 @@
           <a:p>
             <a:fld id="{B4C71EC6-210F-42DE-9C53-41977AD35B3D}" type="datetimeFigureOut">
               <a:rPr lang="ru-RU" smtClean="0"/>
-              <a:t>09.02.2020</a:t>
+              <a:t>10.02.2020</a:t>
             </a:fld>
             <a:endParaRPr lang="ru-RU"/>
           </a:p>
@@ -4598,7 +4614,7 @@
           <a:p>
             <a:fld id="{B4C71EC6-210F-42DE-9C53-41977AD35B3D}" type="datetimeFigureOut">
               <a:rPr lang="ru-RU" smtClean="0"/>
-              <a:t>09.02.2020</a:t>
+              <a:t>10.02.2020</a:t>
             </a:fld>
             <a:endParaRPr lang="ru-RU"/>
           </a:p>
@@ -7249,7 +7265,7 @@
           <a:p>
             <a:fld id="{B4C71EC6-210F-42DE-9C53-41977AD35B3D}" type="datetimeFigureOut">
               <a:rPr lang="ru-RU" smtClean="0"/>
-              <a:t>09.02.2020</a:t>
+              <a:t>10.02.2020</a:t>
             </a:fld>
             <a:endParaRPr lang="ru-RU"/>
           </a:p>
@@ -10461,7 +10477,7 @@
           <a:p>
             <a:fld id="{B4C71EC6-210F-42DE-9C53-41977AD35B3D}" type="datetimeFigureOut">
               <a:rPr lang="ru-RU" smtClean="0"/>
-              <a:t>09.02.2020</a:t>
+              <a:t>10.02.2020</a:t>
             </a:fld>
             <a:endParaRPr lang="ru-RU"/>
           </a:p>
@@ -13283,7 +13299,7 @@
           <a:p>
             <a:fld id="{B4C71EC6-210F-42DE-9C53-41977AD35B3D}" type="datetimeFigureOut">
               <a:rPr lang="ru-RU" smtClean="0"/>
-              <a:t>09.02.2020</a:t>
+              <a:t>10.02.2020</a:t>
             </a:fld>
             <a:endParaRPr lang="ru-RU"/>
           </a:p>
@@ -13781,13 +13797,31 @@
           </a:xfrm>
         </p:spPr>
         <p:txBody>
-          <a:bodyPr/>
+          <a:bodyPr>
+            <a:normAutofit fontScale="92500"/>
+          </a:bodyPr>
           <a:lstStyle/>
           <a:p>
             <a:pPr algn="just"/>
             <a:r>
               <a:rPr lang="ru-RU" dirty="0" smtClean="0"/>
-              <a:t>Выполнили ученицы 9 В класса</a:t>
+              <a:t>Выполнили ученицы </a:t>
+            </a:r>
+            <a:r>
+              <a:rPr lang="ru-RU" dirty="0"/>
+              <a:t>9</a:t>
+            </a:r>
+            <a:r>
+              <a:rPr lang="ru-RU" dirty="0" smtClean="0"/>
+              <a:t> класса Яндекс Лицея</a:t>
+            </a:r>
+            <a:r>
+              <a:rPr lang="en-US" dirty="0" smtClean="0"/>
+              <a:t>,</a:t>
+            </a:r>
+            <a:r>
+              <a:rPr lang="ru-RU" dirty="0" smtClean="0"/>
+              <a:t> школы 1080</a:t>
             </a:r>
             <a:r>
               <a:rPr lang="en-US" dirty="0" smtClean="0"/>
@@ -13799,7 +13833,11 @@
             </a:r>
             <a:r>
               <a:rPr lang="ru-RU" dirty="0" smtClean="0"/>
-              <a:t> Вера и Сахарова Ева</a:t>
+              <a:t> Вера и Сахарова </a:t>
+            </a:r>
+            <a:r>
+              <a:rPr lang="ru-RU" dirty="0" smtClean="0"/>
+              <a:t>Ева</a:t>
             </a:r>
             <a:endParaRPr lang="ru-RU" dirty="0"/>
           </a:p>
@@ -13958,7 +13996,7 @@
         </p:spPr>
         <p:txBody>
           <a:bodyPr>
-            <a:normAutofit fontScale="62500" lnSpcReduction="20000"/>
+            <a:normAutofit fontScale="70000" lnSpcReduction="20000"/>
           </a:bodyPr>
           <a:lstStyle/>
           <a:p>
@@ -14140,7 +14178,7 @@
         </p:spPr>
         <p:txBody>
           <a:bodyPr>
-            <a:normAutofit fontScale="85000" lnSpcReduction="10000"/>
+            <a:normAutofit fontScale="92500" lnSpcReduction="20000"/>
           </a:bodyPr>
           <a:lstStyle/>
           <a:p>
